--- a/凭证粘贴模板.pptx
+++ b/凭证粘贴模板.pptx
@@ -330,7 +330,7 @@
                 <a:latin typeface="微软雅黑" panose="020B0503020204020204" pitchFamily="34" charset="-122"/>
                 <a:ea typeface="微软雅黑" panose="020B0503020204020204" pitchFamily="34" charset="-122"/>
               </a:rPr>
-              <a:t>2020/6/4</a:t>
+              <a:t>2020/7/16</a:t>
             </a:fld>
             <a:endParaRPr lang="zh-CN" altLang="en-US">
               <a:latin typeface="微软雅黑" panose="020B0503020204020204" pitchFamily="34" charset="-122"/>
@@ -415,6 +415,11 @@
         </p:txBody>
       </p:sp>
     </p:spTree>
+    <p:extLst>
+      <p:ext uri="{BB962C8B-B14F-4D97-AF65-F5344CB8AC3E}">
+        <p14:creationId xmlns:p14="http://schemas.microsoft.com/office/powerpoint/2010/main" val="1"/>
+      </p:ext>
+    </p:extLst>
   </p:cSld>
   <p:clrMap bg1="lt1" tx1="dk1" bg2="lt2" tx2="dk2" accent1="accent1" accent2="accent2" accent3="accent3" accent4="accent4" accent5="accent5" accent6="accent6" hlink="hlink" folHlink="folHlink"/>
 </p:handoutMaster>
@@ -508,7 +513,7 @@
           <a:p>
             <a:fld id="{1AC49D05-6128-4D0D-A32A-06A5E73B386C}" type="datetimeFigureOut">
               <a:rPr lang="zh-CN" altLang="en-US" smtClean="0"/>
-              <a:t>2020/6/4</a:t>
+              <a:t>2020/7/16</a:t>
             </a:fld>
             <a:endParaRPr lang="zh-CN" altLang="en-US"/>
           </a:p>
@@ -937,7 +942,7 @@
           <a:p>
             <a:fld id="{760FBDFE-C587-4B4C-A407-44438C67B59E}" type="datetimeFigureOut">
               <a:rPr lang="zh-CN" altLang="en-US" smtClean="0"/>
-              <a:t>2020/6/4</a:t>
+              <a:t>2020/7/16</a:t>
             </a:fld>
             <a:endParaRPr lang="zh-CN" altLang="en-US"/>
           </a:p>
@@ -1036,7 +1041,7 @@
           <a:p>
             <a:fld id="{760FBDFE-C587-4B4C-A407-44438C67B59E}" type="datetimeFigureOut">
               <a:rPr lang="zh-CN" altLang="en-US" smtClean="0"/>
-              <a:t>2020/6/4</a:t>
+              <a:t>2020/7/16</a:t>
             </a:fld>
             <a:endParaRPr lang="zh-CN" altLang="en-US"/>
           </a:p>
@@ -1270,7 +1275,7 @@
           <a:p>
             <a:fld id="{760FBDFE-C587-4B4C-A407-44438C67B59E}" type="datetimeFigureOut">
               <a:rPr lang="zh-CN" altLang="en-US" smtClean="0"/>
-              <a:t>2020/6/4</a:t>
+              <a:t>2020/7/16</a:t>
             </a:fld>
             <a:endParaRPr lang="zh-CN" altLang="en-US"/>
           </a:p>
@@ -1697,7 +1702,7 @@
           <a:p>
             <a:fld id="{760FBDFE-C587-4B4C-A407-44438C67B59E}" type="datetimeFigureOut">
               <a:rPr lang="zh-CN" altLang="en-US" smtClean="0"/>
-              <a:t>2020/6/4</a:t>
+              <a:t>2020/7/16</a:t>
             </a:fld>
             <a:endParaRPr lang="zh-CN" altLang="en-US"/>
           </a:p>
@@ -1974,7 +1979,7 @@
           <a:p>
             <a:fld id="{760FBDFE-C587-4B4C-A407-44438C67B59E}" type="datetimeFigureOut">
               <a:rPr lang="zh-CN" altLang="en-US" smtClean="0"/>
-              <a:t>2020/6/4</a:t>
+              <a:t>2020/7/16</a:t>
             </a:fld>
             <a:endParaRPr lang="zh-CN" altLang="en-US"/>
           </a:p>
@@ -2460,7 +2465,7 @@
           <a:p>
             <a:fld id="{760FBDFE-C587-4B4C-A407-44438C67B59E}" type="datetimeFigureOut">
               <a:rPr lang="zh-CN" altLang="en-US" smtClean="0"/>
-              <a:t>2020/6/4</a:t>
+              <a:t>2020/7/16</a:t>
             </a:fld>
             <a:endParaRPr lang="zh-CN" altLang="en-US"/>
           </a:p>
@@ -3186,7 +3191,7 @@
           <a:p>
             <a:fld id="{760FBDFE-C587-4B4C-A407-44438C67B59E}" type="datetimeFigureOut">
               <a:rPr lang="zh-CN" altLang="en-US" smtClean="0"/>
-              <a:t>2020/6/4</a:t>
+              <a:t>2020/7/16</a:t>
             </a:fld>
             <a:endParaRPr lang="zh-CN" altLang="en-US"/>
           </a:p>
@@ -3340,7 +3345,7 @@
           <a:p>
             <a:fld id="{760FBDFE-C587-4B4C-A407-44438C67B59E}" type="datetimeFigureOut">
               <a:rPr lang="zh-CN" altLang="en-US" smtClean="0"/>
-              <a:t>2020/6/4</a:t>
+              <a:t>2020/7/16</a:t>
             </a:fld>
             <a:endParaRPr lang="zh-CN" altLang="en-US"/>
           </a:p>
@@ -3439,7 +3444,7 @@
           <a:p>
             <a:fld id="{760FBDFE-C587-4B4C-A407-44438C67B59E}" type="datetimeFigureOut">
               <a:rPr lang="zh-CN" altLang="en-US" smtClean="0"/>
-              <a:t>2020/6/4</a:t>
+              <a:t>2020/7/16</a:t>
             </a:fld>
             <a:endParaRPr lang="zh-CN" altLang="en-US"/>
           </a:p>
@@ -3754,7 +3759,7 @@
           <a:p>
             <a:fld id="{9EFD9D74-47D9-4702-A33C-335B63B48DBF}" type="datetimeFigureOut">
               <a:rPr lang="zh-CN" altLang="en-US" smtClean="0"/>
-              <a:t>2020/6/4</a:t>
+              <a:t>2020/7/16</a:t>
             </a:fld>
             <a:endParaRPr lang="zh-CN" altLang="en-US" dirty="0"/>
           </a:p>
@@ -4085,7 +4090,7 @@
           <a:p>
             <a:fld id="{760FBDFE-C587-4B4C-A407-44438C67B59E}" type="datetimeFigureOut">
               <a:rPr lang="zh-CN" altLang="en-US" smtClean="0"/>
-              <a:t>2020/6/4</a:t>
+              <a:t>2020/7/16</a:t>
             </a:fld>
             <a:endParaRPr lang="zh-CN" altLang="en-US"/>
           </a:p>
@@ -4313,7 +4318,7 @@
           <a:p>
             <a:fld id="{760FBDFE-C587-4B4C-A407-44438C67B59E}" type="datetimeFigureOut">
               <a:rPr lang="zh-CN" altLang="en-US" smtClean="0"/>
-              <a:t>2020/6/4</a:t>
+              <a:t>2020/7/16</a:t>
             </a:fld>
             <a:endParaRPr lang="zh-CN" altLang="en-US"/>
           </a:p>
@@ -4891,8 +4896,8 @@
         </p:nvSpPr>
         <p:spPr>
           <a:xfrm>
-            <a:off x="801200" y="7069334"/>
-            <a:ext cx="1962400" cy="410845"/>
+            <a:off x="265400" y="7069334"/>
+            <a:ext cx="2834984" cy="412421"/>
           </a:xfrm>
           <a:prstGeom prst="rect">
             <a:avLst/>
@@ -4906,7 +4911,7 @@
           <a:lstStyle/>
           <a:p>
             <a:r>
-              <a:rPr lang="zh-CN" altLang="en-US" sz="2080"/>
+              <a:rPr lang="zh-CN" altLang="en-US" sz="2080" dirty="0"/>
               <a:t>凭证总张数：</a:t>
             </a:r>
           </a:p>
@@ -4920,8 +4925,8 @@
         </p:nvSpPr>
         <p:spPr>
           <a:xfrm>
-            <a:off x="3193333" y="7069334"/>
-            <a:ext cx="1962400" cy="410845"/>
+            <a:off x="3024786" y="7069334"/>
+            <a:ext cx="2066393" cy="410845"/>
           </a:xfrm>
           <a:prstGeom prst="rect">
             <a:avLst/>
@@ -4935,7 +4940,7 @@
           <a:lstStyle/>
           <a:p>
             <a:r>
-              <a:rPr lang="zh-CN" altLang="en-US" sz="2080"/>
+              <a:rPr lang="zh-CN" altLang="en-US" sz="2080" dirty="0"/>
               <a:t>本页张数：</a:t>
             </a:r>
           </a:p>
@@ -4949,8 +4954,8 @@
         </p:nvSpPr>
         <p:spPr>
           <a:xfrm>
-            <a:off x="5309734" y="7069334"/>
-            <a:ext cx="1962400" cy="410845"/>
+            <a:off x="5015581" y="7069334"/>
+            <a:ext cx="2758736" cy="412421"/>
           </a:xfrm>
           <a:prstGeom prst="rect">
             <a:avLst/>
@@ -4964,7 +4969,7 @@
           <a:lstStyle/>
           <a:p>
             <a:r>
-              <a:rPr lang="zh-CN" altLang="en-US" sz="2080"/>
+              <a:rPr lang="zh-CN" altLang="en-US" sz="2080" dirty="0"/>
               <a:t>凭证总金额：</a:t>
             </a:r>
           </a:p>
@@ -4978,8 +4983,8 @@
         </p:nvSpPr>
         <p:spPr>
           <a:xfrm>
-            <a:off x="7599934" y="7069334"/>
-            <a:ext cx="1962400" cy="410845"/>
+            <a:off x="7698719" y="7069334"/>
+            <a:ext cx="2465743" cy="412421"/>
           </a:xfrm>
           <a:prstGeom prst="rect">
             <a:avLst/>
@@ -4993,7 +4998,7 @@
           <a:lstStyle/>
           <a:p>
             <a:r>
-              <a:rPr lang="zh-CN" altLang="en-US" sz="2080"/>
+              <a:rPr lang="zh-CN" altLang="en-US" sz="2080" dirty="0"/>
               <a:t>本页金额：</a:t>
             </a:r>
           </a:p>
@@ -5007,8 +5012,8 @@
         </p:nvSpPr>
         <p:spPr>
           <a:xfrm>
-            <a:off x="10088867" y="7069334"/>
-            <a:ext cx="1962400" cy="410845"/>
+            <a:off x="10088866" y="7069334"/>
+            <a:ext cx="2103133" cy="410845"/>
           </a:xfrm>
           <a:prstGeom prst="rect">
             <a:avLst/>
@@ -5022,7 +5027,7 @@
           <a:lstStyle/>
           <a:p>
             <a:r>
-              <a:rPr lang="zh-CN" altLang="en-US" sz="2080"/>
+              <a:rPr lang="zh-CN" altLang="en-US" sz="2080" dirty="0"/>
               <a:t>经办人：</a:t>
             </a:r>
           </a:p>
@@ -5050,12 +5055,9 @@
           </a:bodyPr>
           <a:lstStyle/>
           <a:p>
+            <a:pPr algn="ctr"/>
             <a:r>
-              <a:rPr lang="en-US" altLang="zh-CN" sz="2080"/>
-              <a:t>                      </a:t>
-            </a:r>
-            <a:r>
-              <a:rPr lang="zh-CN" altLang="en-US" sz="2080"/>
+              <a:rPr lang="zh-CN" altLang="en-US" sz="2080" dirty="0"/>
               <a:t>第      页        共      页</a:t>
             </a:r>
           </a:p>
